--- a/spring15/slidesS15/3color-crossover.pptx
+++ b/spring15/slidesS15/3color-crossover.pptx
@@ -1124,10 +1124,10 @@
                 <a:uFillTx/>
                 <a:latin typeface="Comic Sans MS" pitchFamily="66" charset="0"/>
               </a:rPr>
-              <a:t>March 21</a:t>
+              <a:t>April 3, </a:t>
             </a:r>
             <a:r>
-              <a:rPr kumimoji="0" lang="en-US" sz="1200" b="0" i="0" u="none" strike="noStrike" kern="1200" cap="none" spc="0" normalizeH="0" baseline="0" noProof="0" smtClean="0">
+              <a:rPr kumimoji="0" lang="en-US" sz="1200" b="0" i="0" u="none" strike="noStrike" kern="1200" cap="none" spc="0" normalizeH="0" baseline="0" noProof="0" dirty="0" smtClean="0">
                 <a:ln>
                   <a:noFill/>
                 </a:ln>
@@ -1139,7 +1139,7 @@
                 <a:uFillTx/>
                 <a:latin typeface="Comic Sans MS" pitchFamily="66" charset="0"/>
               </a:rPr>
-              <a:t>, 2015</a:t>
+              <a:t>2015</a:t>
             </a:r>
             <a:endParaRPr kumimoji="0" lang="en-US" sz="1200" b="0" i="0" u="none" strike="noStrike" kern="1200" cap="none" spc="0" normalizeH="0" baseline="0" noProof="0" dirty="0">
               <a:ln>
@@ -14052,6 +14052,67 @@
           </p:txBody>
         </p:sp>
       </p:grpSp>
+      <p:sp>
+        <p:nvSpPr>
+          <p:cNvPr id="51" name="Title 1"/>
+          <p:cNvSpPr>
+            <a:spLocks noGrp="1"/>
+          </p:cNvSpPr>
+          <p:nvPr>
+            <p:ph type="title"/>
+          </p:nvPr>
+        </p:nvSpPr>
+        <p:spPr>
+          <a:xfrm>
+            <a:off x="1416748" y="20640"/>
+            <a:ext cx="6774752" cy="919160"/>
+          </a:xfrm>
+        </p:spPr>
+        <p:txBody>
+          <a:bodyPr/>
+          <a:lstStyle/>
+          <a:p>
+            <a:r>
+              <a:rPr lang="en-US" sz="4800" dirty="0">
+                <a:solidFill>
+                  <a:srgbClr val="008000"/>
+                </a:solidFill>
+                <a:latin typeface="Comic Sans MS"/>
+                <a:cs typeface="Comic Sans MS"/>
+              </a:rPr>
+              <a:t>u</a:t>
+            </a:r>
+            <a:r>
+              <a:rPr lang="en-US" sz="4800" dirty="0" smtClean="0">
+                <a:latin typeface="Comic Sans MS"/>
+                <a:cs typeface="Comic Sans MS"/>
+              </a:rPr>
+              <a:t>, </a:t>
+            </a:r>
+            <a:r>
+              <a:rPr lang="en-US" sz="4800" dirty="0" smtClean="0">
+                <a:solidFill>
+                  <a:srgbClr val="FF0000"/>
+                </a:solidFill>
+                <a:latin typeface="Comic Sans MS"/>
+                <a:cs typeface="Comic Sans MS"/>
+              </a:rPr>
+              <a:t>v</a:t>
+            </a:r>
+            <a:r>
+              <a:rPr lang="en-US" sz="4800" dirty="0" smtClean="0">
+                <a:latin typeface="Comic Sans MS"/>
+                <a:cs typeface="Comic Sans MS"/>
+              </a:rPr>
+              <a:t> different colors</a:t>
+            </a:r>
+            <a:endParaRPr lang="en-US" sz="4800" dirty="0">
+              <a:latin typeface="Comic Sans MS"/>
+              <a:cs typeface="Comic Sans MS"/>
+            </a:endParaRPr>
+          </a:p>
+        </p:txBody>
+      </p:sp>
     </p:spTree>
     <p:extLst>
       <p:ext uri="{BB962C8B-B14F-4D97-AF65-F5344CB8AC3E}">
@@ -14068,7 +14129,136 @@
   <p:timing>
     <p:tnLst>
       <p:par>
-        <p:cTn xmlns:p14="http://schemas.microsoft.com/office/powerpoint/2010/main" id="1" dur="indefinite" restart="never" nodeType="tmRoot"/>
+        <p:cTn xmlns:p14="http://schemas.microsoft.com/office/powerpoint/2010/main" id="1" dur="indefinite" restart="never" nodeType="tmRoot">
+          <p:childTnLst>
+            <p:seq concurrent="1" nextAc="seek">
+              <p:cTn id="2" dur="indefinite" nodeType="mainSeq">
+                <p:childTnLst>
+                  <p:par>
+                    <p:cTn id="3" fill="hold">
+                      <p:stCondLst>
+                        <p:cond delay="indefinite"/>
+                      </p:stCondLst>
+                      <p:childTnLst>
+                        <p:par>
+                          <p:cTn id="4" fill="hold">
+                            <p:stCondLst>
+                              <p:cond delay="0"/>
+                            </p:stCondLst>
+                            <p:childTnLst>
+                              <p:par>
+                                <p:cTn id="5" presetID="10" presetClass="entr" presetSubtype="0" fill="hold" nodeType="clickEffect">
+                                  <p:stCondLst>
+                                    <p:cond delay="0"/>
+                                  </p:stCondLst>
+                                  <p:childTnLst>
+                                    <p:set>
+                                      <p:cBhvr>
+                                        <p:cTn id="6" dur="1" fill="hold">
+                                          <p:stCondLst>
+                                            <p:cond delay="0"/>
+                                          </p:stCondLst>
+                                        </p:cTn>
+                                        <p:tgtEl>
+                                          <p:spTgt spid="9"/>
+                                        </p:tgtEl>
+                                        <p:attrNameLst>
+                                          <p:attrName>style.visibility</p:attrName>
+                                        </p:attrNameLst>
+                                      </p:cBhvr>
+                                      <p:to>
+                                        <p:strVal val="visible"/>
+                                      </p:to>
+                                    </p:set>
+                                    <p:animEffect transition="in" filter="fade">
+                                      <p:cBhvr>
+                                        <p:cTn id="7" dur="500"/>
+                                        <p:tgtEl>
+                                          <p:spTgt spid="9"/>
+                                        </p:tgtEl>
+                                      </p:cBhvr>
+                                    </p:animEffect>
+                                  </p:childTnLst>
+                                </p:cTn>
+                              </p:par>
+                            </p:childTnLst>
+                          </p:cTn>
+                        </p:par>
+                      </p:childTnLst>
+                    </p:cTn>
+                  </p:par>
+                  <p:par>
+                    <p:cTn id="8" fill="hold">
+                      <p:stCondLst>
+                        <p:cond delay="indefinite"/>
+                      </p:stCondLst>
+                      <p:childTnLst>
+                        <p:par>
+                          <p:cTn id="9" fill="hold">
+                            <p:stCondLst>
+                              <p:cond delay="0"/>
+                            </p:stCondLst>
+                            <p:childTnLst>
+                              <p:par>
+                                <p:cTn id="10" presetID="22" presetClass="entr" presetSubtype="1" fill="hold" nodeType="clickEffect">
+                                  <p:stCondLst>
+                                    <p:cond delay="0"/>
+                                  </p:stCondLst>
+                                  <p:childTnLst>
+                                    <p:set>
+                                      <p:cBhvr>
+                                        <p:cTn id="11" dur="1" fill="hold">
+                                          <p:stCondLst>
+                                            <p:cond delay="0"/>
+                                          </p:stCondLst>
+                                        </p:cTn>
+                                        <p:tgtEl>
+                                          <p:spTgt spid="6"/>
+                                        </p:tgtEl>
+                                        <p:attrNameLst>
+                                          <p:attrName>style.visibility</p:attrName>
+                                        </p:attrNameLst>
+                                      </p:cBhvr>
+                                      <p:to>
+                                        <p:strVal val="visible"/>
+                                      </p:to>
+                                    </p:set>
+                                    <p:animEffect transition="in" filter="wipe(up)">
+                                      <p:cBhvr>
+                                        <p:cTn id="12" dur="1000"/>
+                                        <p:tgtEl>
+                                          <p:spTgt spid="6"/>
+                                        </p:tgtEl>
+                                      </p:cBhvr>
+                                    </p:animEffect>
+                                  </p:childTnLst>
+                                </p:cTn>
+                              </p:par>
+                            </p:childTnLst>
+                          </p:cTn>
+                        </p:par>
+                      </p:childTnLst>
+                    </p:cTn>
+                  </p:par>
+                </p:childTnLst>
+              </p:cTn>
+              <p:prevCondLst>
+                <p:cond evt="onPrev" delay="0">
+                  <p:tgtEl>
+                    <p:sldTgt/>
+                  </p:tgtEl>
+                </p:cond>
+              </p:prevCondLst>
+              <p:nextCondLst>
+                <p:cond evt="onNext" delay="0">
+                  <p:tgtEl>
+                    <p:sldTgt/>
+                  </p:tgtEl>
+                </p:cond>
+              </p:nextCondLst>
+            </p:seq>
+          </p:childTnLst>
+        </p:cTn>
       </p:par>
     </p:tnLst>
   </p:timing>
@@ -15882,6 +16072,67 @@
           </p:txBody>
         </p:sp>
       </p:grpSp>
+      <p:sp>
+        <p:nvSpPr>
+          <p:cNvPr id="51" name="Title 1"/>
+          <p:cNvSpPr>
+            <a:spLocks noGrp="1"/>
+          </p:cNvSpPr>
+          <p:nvPr>
+            <p:ph type="title"/>
+          </p:nvPr>
+        </p:nvSpPr>
+        <p:spPr>
+          <a:xfrm>
+            <a:off x="1416748" y="20640"/>
+            <a:ext cx="6774752" cy="919160"/>
+          </a:xfrm>
+        </p:spPr>
+        <p:txBody>
+          <a:bodyPr/>
+          <a:lstStyle/>
+          <a:p>
+            <a:r>
+              <a:rPr lang="en-US" sz="4800" dirty="0">
+                <a:solidFill>
+                  <a:srgbClr val="008000"/>
+                </a:solidFill>
+                <a:latin typeface="Comic Sans MS"/>
+                <a:cs typeface="Comic Sans MS"/>
+              </a:rPr>
+              <a:t>u</a:t>
+            </a:r>
+            <a:r>
+              <a:rPr lang="en-US" sz="4800" dirty="0" smtClean="0">
+                <a:latin typeface="Comic Sans MS"/>
+                <a:cs typeface="Comic Sans MS"/>
+              </a:rPr>
+              <a:t>, </a:t>
+            </a:r>
+            <a:r>
+              <a:rPr lang="en-US" sz="4800" dirty="0" smtClean="0">
+                <a:solidFill>
+                  <a:srgbClr val="FF0000"/>
+                </a:solidFill>
+                <a:latin typeface="Comic Sans MS"/>
+                <a:cs typeface="Comic Sans MS"/>
+              </a:rPr>
+              <a:t>v</a:t>
+            </a:r>
+            <a:r>
+              <a:rPr lang="en-US" sz="4800" dirty="0" smtClean="0">
+                <a:latin typeface="Comic Sans MS"/>
+                <a:cs typeface="Comic Sans MS"/>
+              </a:rPr>
+              <a:t> different colors</a:t>
+            </a:r>
+            <a:endParaRPr lang="en-US" sz="4800" dirty="0">
+              <a:latin typeface="Comic Sans MS"/>
+              <a:cs typeface="Comic Sans MS"/>
+            </a:endParaRPr>
+          </a:p>
+        </p:txBody>
+      </p:sp>
     </p:spTree>
     <p:extLst>
       <p:ext uri="{BB962C8B-B14F-4D97-AF65-F5344CB8AC3E}">
@@ -17728,6 +17979,67 @@
           </p:txBody>
         </p:sp>
       </p:grpSp>
+      <p:sp>
+        <p:nvSpPr>
+          <p:cNvPr id="51" name="Title 1"/>
+          <p:cNvSpPr>
+            <a:spLocks noGrp="1"/>
+          </p:cNvSpPr>
+          <p:nvPr>
+            <p:ph type="title"/>
+          </p:nvPr>
+        </p:nvSpPr>
+        <p:spPr>
+          <a:xfrm>
+            <a:off x="1416748" y="20640"/>
+            <a:ext cx="6774752" cy="919160"/>
+          </a:xfrm>
+        </p:spPr>
+        <p:txBody>
+          <a:bodyPr/>
+          <a:lstStyle/>
+          <a:p>
+            <a:r>
+              <a:rPr lang="en-US" sz="4800" dirty="0">
+                <a:solidFill>
+                  <a:srgbClr val="008000"/>
+                </a:solidFill>
+                <a:latin typeface="Comic Sans MS"/>
+                <a:cs typeface="Comic Sans MS"/>
+              </a:rPr>
+              <a:t>u</a:t>
+            </a:r>
+            <a:r>
+              <a:rPr lang="en-US" sz="4800" dirty="0" smtClean="0">
+                <a:latin typeface="Comic Sans MS"/>
+                <a:cs typeface="Comic Sans MS"/>
+              </a:rPr>
+              <a:t>, </a:t>
+            </a:r>
+            <a:r>
+              <a:rPr lang="en-US" sz="4800" dirty="0" smtClean="0">
+                <a:solidFill>
+                  <a:srgbClr val="FF0000"/>
+                </a:solidFill>
+                <a:latin typeface="Comic Sans MS"/>
+                <a:cs typeface="Comic Sans MS"/>
+              </a:rPr>
+              <a:t>v</a:t>
+            </a:r>
+            <a:r>
+              <a:rPr lang="en-US" sz="4800" dirty="0" smtClean="0">
+                <a:latin typeface="Comic Sans MS"/>
+                <a:cs typeface="Comic Sans MS"/>
+              </a:rPr>
+              <a:t> different colors</a:t>
+            </a:r>
+            <a:endParaRPr lang="en-US" sz="4800" dirty="0">
+              <a:latin typeface="Comic Sans MS"/>
+              <a:cs typeface="Comic Sans MS"/>
+            </a:endParaRPr>
+          </a:p>
+        </p:txBody>
+      </p:sp>
     </p:spTree>
     <p:extLst>
       <p:ext uri="{BB962C8B-B14F-4D97-AF65-F5344CB8AC3E}">
@@ -19574,6 +19886,67 @@
           </p:txBody>
         </p:sp>
       </p:grpSp>
+      <p:sp>
+        <p:nvSpPr>
+          <p:cNvPr id="57" name="Title 1"/>
+          <p:cNvSpPr>
+            <a:spLocks noGrp="1"/>
+          </p:cNvSpPr>
+          <p:nvPr>
+            <p:ph type="title"/>
+          </p:nvPr>
+        </p:nvSpPr>
+        <p:spPr>
+          <a:xfrm>
+            <a:off x="1416748" y="20640"/>
+            <a:ext cx="6774752" cy="919160"/>
+          </a:xfrm>
+        </p:spPr>
+        <p:txBody>
+          <a:bodyPr/>
+          <a:lstStyle/>
+          <a:p>
+            <a:r>
+              <a:rPr lang="en-US" sz="4800" dirty="0">
+                <a:solidFill>
+                  <a:srgbClr val="008000"/>
+                </a:solidFill>
+                <a:latin typeface="Comic Sans MS"/>
+                <a:cs typeface="Comic Sans MS"/>
+              </a:rPr>
+              <a:t>u</a:t>
+            </a:r>
+            <a:r>
+              <a:rPr lang="en-US" sz="4800" dirty="0" smtClean="0">
+                <a:latin typeface="Comic Sans MS"/>
+                <a:cs typeface="Comic Sans MS"/>
+              </a:rPr>
+              <a:t>, </a:t>
+            </a:r>
+            <a:r>
+              <a:rPr lang="en-US" sz="4800" dirty="0" smtClean="0">
+                <a:solidFill>
+                  <a:srgbClr val="008000"/>
+                </a:solidFill>
+                <a:latin typeface="Comic Sans MS"/>
+                <a:cs typeface="Comic Sans MS"/>
+              </a:rPr>
+              <a:t>v</a:t>
+            </a:r>
+            <a:r>
+              <a:rPr lang="en-US" sz="4800" dirty="0" smtClean="0">
+                <a:latin typeface="Comic Sans MS"/>
+                <a:cs typeface="Comic Sans MS"/>
+              </a:rPr>
+              <a:t> same color</a:t>
+            </a:r>
+            <a:endParaRPr lang="en-US" sz="4800" dirty="0">
+              <a:latin typeface="Comic Sans MS"/>
+              <a:cs typeface="Comic Sans MS"/>
+            </a:endParaRPr>
+          </a:p>
+        </p:txBody>
+      </p:sp>
     </p:spTree>
     <p:extLst>
       <p:ext uri="{BB962C8B-B14F-4D97-AF65-F5344CB8AC3E}">
@@ -19585,12 +19958,141 @@
     <a:masterClrMapping/>
   </p:clrMapOvr>
   <p:transition xmlns:p14="http://schemas.microsoft.com/office/powerpoint/2010/main" spd="slow" advClick="0">
-    <p:fade/>
+    <p:fade thruBlk="1"/>
   </p:transition>
   <p:timing>
     <p:tnLst>
       <p:par>
-        <p:cTn xmlns:p14="http://schemas.microsoft.com/office/powerpoint/2010/main" id="1" dur="indefinite" restart="never" nodeType="tmRoot"/>
+        <p:cTn xmlns:p14="http://schemas.microsoft.com/office/powerpoint/2010/main" id="1" dur="indefinite" restart="never" nodeType="tmRoot">
+          <p:childTnLst>
+            <p:seq concurrent="1" nextAc="seek">
+              <p:cTn id="2" dur="indefinite" nodeType="mainSeq">
+                <p:childTnLst>
+                  <p:par>
+                    <p:cTn id="3" fill="hold">
+                      <p:stCondLst>
+                        <p:cond delay="indefinite"/>
+                      </p:stCondLst>
+                      <p:childTnLst>
+                        <p:par>
+                          <p:cTn id="4" fill="hold">
+                            <p:stCondLst>
+                              <p:cond delay="0"/>
+                            </p:stCondLst>
+                            <p:childTnLst>
+                              <p:par>
+                                <p:cTn id="5" presetID="22" presetClass="entr" presetSubtype="1" fill="hold" nodeType="clickEffect">
+                                  <p:stCondLst>
+                                    <p:cond delay="0"/>
+                                  </p:stCondLst>
+                                  <p:childTnLst>
+                                    <p:set>
+                                      <p:cBhvr>
+                                        <p:cTn id="6" dur="1" fill="hold">
+                                          <p:stCondLst>
+                                            <p:cond delay="0"/>
+                                          </p:stCondLst>
+                                        </p:cTn>
+                                        <p:tgtEl>
+                                          <p:spTgt spid="40"/>
+                                        </p:tgtEl>
+                                        <p:attrNameLst>
+                                          <p:attrName>style.visibility</p:attrName>
+                                        </p:attrNameLst>
+                                      </p:cBhvr>
+                                      <p:to>
+                                        <p:strVal val="visible"/>
+                                      </p:to>
+                                    </p:set>
+                                    <p:animEffect transition="in" filter="wipe(up)">
+                                      <p:cBhvr>
+                                        <p:cTn id="7" dur="1000"/>
+                                        <p:tgtEl>
+                                          <p:spTgt spid="40"/>
+                                        </p:tgtEl>
+                                      </p:cBhvr>
+                                    </p:animEffect>
+                                  </p:childTnLst>
+                                </p:cTn>
+                              </p:par>
+                            </p:childTnLst>
+                          </p:cTn>
+                        </p:par>
+                      </p:childTnLst>
+                    </p:cTn>
+                  </p:par>
+                  <p:par>
+                    <p:cTn id="8" fill="hold">
+                      <p:stCondLst>
+                        <p:cond delay="indefinite"/>
+                      </p:stCondLst>
+                      <p:childTnLst>
+                        <p:par>
+                          <p:cTn id="9" fill="hold">
+                            <p:stCondLst>
+                              <p:cond delay="0"/>
+                            </p:stCondLst>
+                            <p:childTnLst>
+                              <p:par>
+                                <p:cTn id="10" presetID="22" presetClass="entr" presetSubtype="1" fill="hold" nodeType="clickEffect">
+                                  <p:stCondLst>
+                                    <p:cond delay="0"/>
+                                  </p:stCondLst>
+                                  <p:childTnLst>
+                                    <p:set>
+                                      <p:cBhvr>
+                                        <p:cTn id="11" dur="1" fill="hold">
+                                          <p:stCondLst>
+                                            <p:cond delay="0"/>
+                                          </p:stCondLst>
+                                        </p:cTn>
+                                        <p:tgtEl>
+                                          <p:spTgt spid="2"/>
+                                        </p:tgtEl>
+                                        <p:attrNameLst>
+                                          <p:attrName>style.visibility</p:attrName>
+                                        </p:attrNameLst>
+                                      </p:cBhvr>
+                                      <p:to>
+                                        <p:strVal val="visible"/>
+                                      </p:to>
+                                    </p:set>
+                                    <p:animEffect transition="in" filter="wipe(up)">
+                                      <p:cBhvr>
+                                        <p:cTn id="12" dur="1000"/>
+                                        <p:tgtEl>
+                                          <p:spTgt spid="2"/>
+                                        </p:tgtEl>
+                                      </p:cBhvr>
+                                    </p:animEffect>
+                                  </p:childTnLst>
+                                </p:cTn>
+                              </p:par>
+                            </p:childTnLst>
+                          </p:cTn>
+                        </p:par>
+                      </p:childTnLst>
+                    </p:cTn>
+                  </p:par>
+                </p:childTnLst>
+              </p:cTn>
+              <p:prevCondLst>
+                <p:cond evt="onPrev" delay="0">
+                  <p:tgtEl>
+                    <p:sldTgt/>
+                  </p:tgtEl>
+                </p:cond>
+              </p:prevCondLst>
+              <p:nextCondLst>
+                <p:cond evt="onNext" delay="0">
+                  <p:tgtEl>
+                    <p:sldTgt/>
+                  </p:tgtEl>
+                </p:cond>
+              </p:nextCondLst>
+            </p:seq>
+          </p:childTnLst>
+        </p:cTn>
       </p:par>
     </p:tnLst>
   </p:timing>

--- a/spring15/slidesS15/3color-crossover.pptx
+++ b/spring15/slidesS15/3color-crossover.pptx
@@ -205,7 +205,7 @@
           <a:p>
             <a:fld id="{87F6AD9C-E6DA-3940-AC2D-477A29366DD0}" type="datetimeFigureOut">
               <a:rPr lang="en-US" smtClean="0"/>
-              <a:t>3/21/15</a:t>
+              <a:t>3/22/15</a:t>
             </a:fld>
             <a:endParaRPr lang="en-US"/>
           </a:p>
@@ -1109,37 +1109,7 @@
                 <a:uFillTx/>
                 <a:latin typeface="Comic Sans MS" pitchFamily="66" charset="0"/>
               </a:rPr>
-              <a:t>Albert R Meyer            </a:t>
-            </a:r>
-            <a:r>
-              <a:rPr kumimoji="0" lang="en-US" sz="1200" b="0" i="0" u="none" strike="noStrike" kern="1200" cap="none" spc="0" normalizeH="0" baseline="0" noProof="0" dirty="0" smtClean="0">
-                <a:ln>
-                  <a:noFill/>
-                </a:ln>
-                <a:solidFill>
-                  <a:schemeClr val="tx1"/>
-                </a:solidFill>
-                <a:effectLst/>
-                <a:uLnTx/>
-                <a:uFillTx/>
-                <a:latin typeface="Comic Sans MS" pitchFamily="66" charset="0"/>
-              </a:rPr>
-              <a:t>April 3, </a:t>
-            </a:r>
-            <a:r>
-              <a:rPr kumimoji="0" lang="en-US" sz="1200" b="0" i="0" u="none" strike="noStrike" kern="1200" cap="none" spc="0" normalizeH="0" baseline="0" noProof="0" dirty="0" smtClean="0">
-                <a:ln>
-                  <a:noFill/>
-                </a:ln>
-                <a:solidFill>
-                  <a:schemeClr val="tx1"/>
-                </a:solidFill>
-                <a:effectLst/>
-                <a:uLnTx/>
-                <a:uFillTx/>
-                <a:latin typeface="Comic Sans MS" pitchFamily="66" charset="0"/>
-              </a:rPr>
-              <a:t>2015</a:t>
+              <a:t>Albert R Meyer            April 3, 2015</a:t>
             </a:r>
             <a:endParaRPr kumimoji="0" lang="en-US" sz="1200" b="0" i="0" u="none" strike="noStrike" kern="1200" cap="none" spc="0" normalizeH="0" baseline="0" noProof="0" dirty="0">
               <a:ln>
@@ -19981,7 +19951,7 @@
                             </p:stCondLst>
                             <p:childTnLst>
                               <p:par>
-                                <p:cTn id="5" presetID="22" presetClass="entr" presetSubtype="1" fill="hold" nodeType="clickEffect">
+                                <p:cTn id="5" presetID="10" presetClass="entr" presetSubtype="0" fill="hold" nodeType="clickEffect">
                                   <p:stCondLst>
                                     <p:cond delay="0"/>
                                   </p:stCondLst>
@@ -20004,9 +19974,9 @@
                                         <p:strVal val="visible"/>
                                       </p:to>
                                     </p:set>
-                                    <p:animEffect transition="in" filter="wipe(up)">
+                                    <p:animEffect transition="in" filter="fade">
                                       <p:cBhvr>
-                                        <p:cTn id="7" dur="1000"/>
+                                        <p:cTn id="7" dur="500"/>
                                         <p:tgtEl>
                                           <p:spTgt spid="40"/>
                                         </p:tgtEl>
